--- a/Seccion 2 Variable aleatoria multivariante/Diapositivas/2.3 Distribución condicional, e independencia.pptx
+++ b/Seccion 2 Variable aleatoria multivariante/Diapositivas/2.3 Distribución condicional, e independencia.pptx
@@ -863,7 +863,7 @@
             <a:fld id="{B61BEF0D-F0BB-DE4B-95CE-6DB70DBA9567}" type="datetimeFigureOut">
               <a:rPr lang="en-US" smtClean="0"/>
               <a:pPr/>
-              <a:t>12/12/2019</a:t>
+              <a:t>12/20/2019</a:t>
             </a:fld>
             <a:endParaRPr lang="en-US" dirty="0"/>
           </a:p>
@@ -1116,7 +1116,7 @@
             <a:fld id="{B61BEF0D-F0BB-DE4B-95CE-6DB70DBA9567}" type="datetimeFigureOut">
               <a:rPr lang="en-US" smtClean="0"/>
               <a:pPr/>
-              <a:t>12/12/2019</a:t>
+              <a:t>12/20/2019</a:t>
             </a:fld>
             <a:endParaRPr lang="en-US" dirty="0"/>
           </a:p>
@@ -1432,7 +1432,7 @@
             <a:fld id="{B61BEF0D-F0BB-DE4B-95CE-6DB70DBA9567}" type="datetimeFigureOut">
               <a:rPr lang="en-US" smtClean="0"/>
               <a:pPr/>
-              <a:t>12/12/2019</a:t>
+              <a:t>12/20/2019</a:t>
             </a:fld>
             <a:endParaRPr lang="en-US" dirty="0"/>
           </a:p>
@@ -1767,7 +1767,7 @@
             <a:fld id="{B61BEF0D-F0BB-DE4B-95CE-6DB70DBA9567}" type="datetimeFigureOut">
               <a:rPr lang="en-US" smtClean="0"/>
               <a:pPr/>
-              <a:t>12/12/2019</a:t>
+              <a:t>12/20/2019</a:t>
             </a:fld>
             <a:endParaRPr lang="en-US" dirty="0"/>
           </a:p>
@@ -2083,7 +2083,7 @@
             <a:fld id="{B61BEF0D-F0BB-DE4B-95CE-6DB70DBA9567}" type="datetimeFigureOut">
               <a:rPr lang="en-US" smtClean="0"/>
               <a:pPr/>
-              <a:t>12/12/2019</a:t>
+              <a:t>12/20/2019</a:t>
             </a:fld>
             <a:endParaRPr lang="en-US" dirty="0"/>
           </a:p>
@@ -2478,7 +2478,7 @@
             <a:fld id="{B61BEF0D-F0BB-DE4B-95CE-6DB70DBA9567}" type="datetimeFigureOut">
               <a:rPr lang="en-US" smtClean="0"/>
               <a:pPr/>
-              <a:t>12/12/2019</a:t>
+              <a:t>12/20/2019</a:t>
             </a:fld>
             <a:endParaRPr lang="en-US" dirty="0"/>
           </a:p>
@@ -2649,7 +2649,7 @@
           <a:p>
             <a:fld id="{55C6B4A9-1611-4792-9094-5F34BCA07E0B}" type="datetimeFigureOut">
               <a:rPr lang="en-US" smtClean="0"/>
-              <a:t>12/12/2019</a:t>
+              <a:t>12/20/2019</a:t>
             </a:fld>
             <a:endParaRPr lang="en-US" dirty="0"/>
           </a:p>
@@ -2830,7 +2830,7 @@
             <a:fld id="{B61BEF0D-F0BB-DE4B-95CE-6DB70DBA9567}" type="datetimeFigureOut">
               <a:rPr lang="en-US" smtClean="0"/>
               <a:pPr/>
-              <a:t>12/12/2019</a:t>
+              <a:t>12/20/2019</a:t>
             </a:fld>
             <a:endParaRPr lang="en-US" dirty="0"/>
           </a:p>
@@ -3040,7 +3040,7 @@
             <a:fld id="{B61BEF0D-F0BB-DE4B-95CE-6DB70DBA9567}" type="datetimeFigureOut">
               <a:rPr lang="en-US" smtClean="0"/>
               <a:pPr/>
-              <a:t>12/12/2019</a:t>
+              <a:t>12/20/2019</a:t>
             </a:fld>
             <a:endParaRPr lang="en-US" dirty="0"/>
           </a:p>
@@ -3240,7 +3240,7 @@
             <a:fld id="{B61BEF0D-F0BB-DE4B-95CE-6DB70DBA9567}" type="datetimeFigureOut">
               <a:rPr lang="en-US" smtClean="0"/>
               <a:pPr/>
-              <a:t>12/12/2019</a:t>
+              <a:t>12/20/2019</a:t>
             </a:fld>
             <a:endParaRPr lang="en-US" dirty="0"/>
           </a:p>
@@ -3517,7 +3517,7 @@
             <a:fld id="{B61BEF0D-F0BB-DE4B-95CE-6DB70DBA9567}" type="datetimeFigureOut">
               <a:rPr lang="en-US" smtClean="0"/>
               <a:pPr/>
-              <a:t>12/12/2019</a:t>
+              <a:t>12/20/2019</a:t>
             </a:fld>
             <a:endParaRPr lang="en-US" dirty="0"/>
           </a:p>
@@ -3701,7 +3701,7 @@
             <a:fld id="{B61BEF0D-F0BB-DE4B-95CE-6DB70DBA9567}" type="datetimeFigureOut">
               <a:rPr lang="en-US" smtClean="0"/>
               <a:pPr/>
-              <a:t>12/12/2019</a:t>
+              <a:t>12/20/2019</a:t>
             </a:fld>
             <a:endParaRPr lang="en-US" dirty="0"/>
           </a:p>
@@ -3955,7 +3955,7 @@
           <a:p>
             <a:fld id="{EB712588-04B1-427B-82EE-E8DB90309F08}" type="datetimeFigureOut">
               <a:rPr lang="en-US" smtClean="0"/>
-              <a:t>12/12/2019</a:t>
+              <a:t>12/20/2019</a:t>
             </a:fld>
             <a:endParaRPr lang="en-US" dirty="0"/>
           </a:p>
@@ -4368,7 +4368,7 @@
             <a:fld id="{B61BEF0D-F0BB-DE4B-95CE-6DB70DBA9567}" type="datetimeFigureOut">
               <a:rPr lang="en-US" smtClean="0"/>
               <a:pPr/>
-              <a:t>12/12/2019</a:t>
+              <a:t>12/20/2019</a:t>
             </a:fld>
             <a:endParaRPr lang="en-US" dirty="0"/>
           </a:p>
@@ -4511,7 +4511,7 @@
             <a:fld id="{B61BEF0D-F0BB-DE4B-95CE-6DB70DBA9567}" type="datetimeFigureOut">
               <a:rPr lang="en-US" smtClean="0"/>
               <a:pPr/>
-              <a:t>12/12/2019</a:t>
+              <a:t>12/20/2019</a:t>
             </a:fld>
             <a:endParaRPr lang="en-US" dirty="0"/>
           </a:p>
@@ -4626,7 +4626,7 @@
             <a:fld id="{B61BEF0D-F0BB-DE4B-95CE-6DB70DBA9567}" type="datetimeFigureOut">
               <a:rPr lang="en-US" smtClean="0"/>
               <a:pPr/>
-              <a:t>12/12/2019</a:t>
+              <a:t>12/20/2019</a:t>
             </a:fld>
             <a:endParaRPr lang="en-US" dirty="0"/>
           </a:p>
@@ -4938,7 +4938,7 @@
           <a:p>
             <a:fld id="{42A54C80-263E-416B-A8E0-580EDEADCBDC}" type="datetimeFigureOut">
               <a:rPr lang="en-US" smtClean="0"/>
-              <a:t>12/12/2019</a:t>
+              <a:t>12/20/2019</a:t>
             </a:fld>
             <a:endParaRPr lang="en-US" dirty="0"/>
           </a:p>
@@ -5227,7 +5227,7 @@
             <a:fld id="{B61BEF0D-F0BB-DE4B-95CE-6DB70DBA9567}" type="datetimeFigureOut">
               <a:rPr lang="en-US" smtClean="0"/>
               <a:pPr/>
-              <a:t>12/12/2019</a:t>
+              <a:t>12/20/2019</a:t>
             </a:fld>
             <a:endParaRPr lang="en-US" dirty="0"/>
           </a:p>
@@ -5426,7 +5426,7 @@
           <a:p>
             <a:fld id="{55C6B4A9-1611-4792-9094-5F34BCA07E0B}" type="datetimeFigureOut">
               <a:rPr lang="en-US" smtClean="0"/>
-              <a:t>12/12/2019</a:t>
+              <a:t>12/20/2019</a:t>
             </a:fld>
             <a:endParaRPr lang="en-US" dirty="0"/>
           </a:p>
@@ -5635,7 +5635,7 @@
             <a:fld id="{B61BEF0D-F0BB-DE4B-95CE-6DB70DBA9567}" type="datetimeFigureOut">
               <a:rPr lang="en-US" smtClean="0"/>
               <a:pPr/>
-              <a:t>12/12/2019</a:t>
+              <a:t>12/20/2019</a:t>
             </a:fld>
             <a:endParaRPr lang="en-US" dirty="0"/>
           </a:p>
@@ -5896,7 +5896,7 @@
             <a:fld id="{B61BEF0D-F0BB-DE4B-95CE-6DB70DBA9567}" type="datetimeFigureOut">
               <a:rPr lang="en-US" smtClean="0"/>
               <a:pPr/>
-              <a:t>12/12/2019</a:t>
+              <a:t>12/20/2019</a:t>
             </a:fld>
             <a:endParaRPr lang="en-US" dirty="0"/>
           </a:p>
@@ -6129,7 +6129,7 @@
           <a:p>
             <a:fld id="{EB712588-04B1-427B-82EE-E8DB90309F08}" type="datetimeFigureOut">
               <a:rPr lang="en-US" smtClean="0"/>
-              <a:t>12/12/2019</a:t>
+              <a:t>12/20/2019</a:t>
             </a:fld>
             <a:endParaRPr lang="en-US" dirty="0"/>
           </a:p>
@@ -6504,7 +6504,7 @@
             <a:fld id="{B61BEF0D-F0BB-DE4B-95CE-6DB70DBA9567}" type="datetimeFigureOut">
               <a:rPr lang="en-US" smtClean="0"/>
               <a:pPr/>
-              <a:t>12/12/2019</a:t>
+              <a:t>12/20/2019</a:t>
             </a:fld>
             <a:endParaRPr lang="en-US" dirty="0"/>
           </a:p>
@@ -6629,7 +6629,7 @@
             <a:fld id="{B61BEF0D-F0BB-DE4B-95CE-6DB70DBA9567}" type="datetimeFigureOut">
               <a:rPr lang="en-US" smtClean="0"/>
               <a:pPr/>
-              <a:t>12/12/2019</a:t>
+              <a:t>12/20/2019</a:t>
             </a:fld>
             <a:endParaRPr lang="en-US" dirty="0"/>
           </a:p>
@@ -6726,7 +6726,7 @@
             <a:fld id="{B61BEF0D-F0BB-DE4B-95CE-6DB70DBA9567}" type="datetimeFigureOut">
               <a:rPr lang="en-US" smtClean="0"/>
               <a:pPr/>
-              <a:t>12/12/2019</a:t>
+              <a:t>12/20/2019</a:t>
             </a:fld>
             <a:endParaRPr lang="en-US" dirty="0"/>
           </a:p>
@@ -6982,7 +6982,7 @@
           <a:p>
             <a:fld id="{42A54C80-263E-416B-A8E0-580EDEADCBDC}" type="datetimeFigureOut">
               <a:rPr lang="en-US" smtClean="0"/>
-              <a:t>12/12/2019</a:t>
+              <a:t>12/20/2019</a:t>
             </a:fld>
             <a:endParaRPr lang="en-US" dirty="0"/>
           </a:p>
@@ -7289,7 +7289,7 @@
             <a:fld id="{B61BEF0D-F0BB-DE4B-95CE-6DB70DBA9567}" type="datetimeFigureOut">
               <a:rPr lang="en-US" smtClean="0"/>
               <a:pPr/>
-              <a:t>12/12/2019</a:t>
+              <a:t>12/20/2019</a:t>
             </a:fld>
             <a:endParaRPr lang="en-US" dirty="0"/>
           </a:p>
@@ -7995,7 +7995,7 @@
             <a:fld id="{B61BEF0D-F0BB-DE4B-95CE-6DB70DBA9567}" type="datetimeFigureOut">
               <a:rPr lang="en-US" smtClean="0"/>
               <a:pPr/>
-              <a:t>12/12/2019</a:t>
+              <a:t>12/20/2019</a:t>
             </a:fld>
             <a:endParaRPr lang="en-US" dirty="0"/>
           </a:p>
@@ -8672,7 +8672,7 @@
             <a:fld id="{B61BEF0D-F0BB-DE4B-95CE-6DB70DBA9567}" type="datetimeFigureOut">
               <a:rPr lang="en-US" smtClean="0"/>
               <a:pPr/>
-              <a:t>12/12/2019</a:t>
+              <a:t>12/20/2019</a:t>
             </a:fld>
             <a:endParaRPr lang="en-US" dirty="0"/>
           </a:p>
@@ -10065,6 +10065,15 @@
                           </m:sub>
                         </m:sSub>
                         <m:r>
+                          <a:rPr lang="es-ES" b="0" i="1" smtClean="0">
+                            <a:solidFill>
+                              <a:schemeClr val="bg1"/>
+                            </a:solidFill>
+                            <a:latin typeface="Cambria Math" panose="02040503050406030204" pitchFamily="18" charset="0"/>
+                          </a:rPr>
+                          <m:t>,</m:t>
+                        </m:r>
+                        <m:r>
                           <a:rPr lang="es-ES" i="1">
                             <a:solidFill>
                               <a:schemeClr val="bg1"/>
@@ -10072,6 +10081,15 @@
                             <a:latin typeface="Cambria Math" panose="02040503050406030204" pitchFamily="18" charset="0"/>
                           </a:rPr>
                           <m:t>…</m:t>
+                        </m:r>
+                        <m:r>
+                          <a:rPr lang="es-ES" b="0" i="1" smtClean="0">
+                            <a:solidFill>
+                              <a:schemeClr val="bg1"/>
+                            </a:solidFill>
+                            <a:latin typeface="Cambria Math" panose="02040503050406030204" pitchFamily="18" charset="0"/>
+                          </a:rPr>
+                          <m:t>,</m:t>
                         </m:r>
                         <m:sSub>
                           <m:sSubPr>
@@ -10188,6 +10206,15 @@
                           </m:sub>
                         </m:sSub>
                         <m:r>
+                          <a:rPr lang="es-ES" b="0" i="1" smtClean="0">
+                            <a:solidFill>
+                              <a:schemeClr val="bg1"/>
+                            </a:solidFill>
+                            <a:latin typeface="Cambria Math" panose="02040503050406030204" pitchFamily="18" charset="0"/>
+                          </a:rPr>
+                          <m:t>,</m:t>
+                        </m:r>
+                        <m:r>
                           <a:rPr lang="es-ES" i="1">
                             <a:solidFill>
                               <a:schemeClr val="bg1"/>
@@ -10195,6 +10222,15 @@
                             <a:latin typeface="Cambria Math" panose="02040503050406030204" pitchFamily="18" charset="0"/>
                           </a:rPr>
                           <m:t>…</m:t>
+                        </m:r>
+                        <m:r>
+                          <a:rPr lang="es-ES" b="0" i="1" smtClean="0">
+                            <a:solidFill>
+                              <a:schemeClr val="bg1"/>
+                            </a:solidFill>
+                            <a:latin typeface="Cambria Math" panose="02040503050406030204" pitchFamily="18" charset="0"/>
+                          </a:rPr>
+                          <m:t>,</m:t>
                         </m:r>
                         <m:sSub>
                           <m:sSubPr>
@@ -12795,8 +12831,8 @@
           <a:chExt cx="0" cy="0"/>
         </a:xfrm>
       </p:grpSpPr>
-      <mc:AlternateContent xmlns:mc="http://schemas.openxmlformats.org/markup-compatibility/2006">
-        <mc:Choice xmlns:a14="http://schemas.microsoft.com/office/drawing/2010/main" Requires="a14">
+      <mc:AlternateContent xmlns:mc="http://schemas.openxmlformats.org/markup-compatibility/2006" xmlns:a14="http://schemas.microsoft.com/office/drawing/2010/main">
+        <mc:Choice Requires="a14">
           <p:sp>
             <p:nvSpPr>
               <p:cNvPr id="5" name="Marcador de contenido 2"/>
@@ -14127,7 +14163,7 @@
             </p:txBody>
           </p:sp>
         </mc:Choice>
-        <mc:Fallback>
+        <mc:Fallback xmlns="">
           <p:sp>
             <p:nvSpPr>
               <p:cNvPr id="5" name="Marcador de contenido 2"/>
@@ -14531,7 +14567,7 @@
                         <m:begChr m:val="["/>
                         <m:endChr m:val="]"/>
                         <m:ctrlPr>
-                          <a:rPr lang="es-ES" b="0" i="0" smtClean="0">
+                          <a:rPr lang="es-ES" b="0" i="1" smtClean="0">
                             <a:solidFill>
                               <a:schemeClr val="bg1"/>
                             </a:solidFill>
@@ -14548,6 +14584,15 @@
                             <a:latin typeface="Cambria Math" panose="02040503050406030204" pitchFamily="18" charset="0"/>
                           </a:rPr>
                           <m:t>𝐱</m:t>
+                        </m:r>
+                        <m:r>
+                          <a:rPr lang="es-ES" b="1" i="0" smtClean="0">
+                            <a:solidFill>
+                              <a:schemeClr val="bg1"/>
+                            </a:solidFill>
+                            <a:latin typeface="Cambria Math" panose="02040503050406030204" pitchFamily="18" charset="0"/>
+                          </a:rPr>
+                          <m:t>,</m:t>
                         </m:r>
                         <m:r>
                           <a:rPr lang="es-ES" b="1" i="0" smtClean="0">

--- a/Seccion 2 Variable aleatoria multivariante/Diapositivas/2.3 Distribución condicional, e independencia.pptx
+++ b/Seccion 2 Variable aleatoria multivariante/Diapositivas/2.3 Distribución condicional, e independencia.pptx
@@ -863,7 +863,7 @@
             <a:fld id="{B61BEF0D-F0BB-DE4B-95CE-6DB70DBA9567}" type="datetimeFigureOut">
               <a:rPr lang="en-US" smtClean="0"/>
               <a:pPr/>
-              <a:t>12/20/2019</a:t>
+              <a:t>3/21/2020</a:t>
             </a:fld>
             <a:endParaRPr lang="en-US" dirty="0"/>
           </a:p>
@@ -1116,7 +1116,7 @@
             <a:fld id="{B61BEF0D-F0BB-DE4B-95CE-6DB70DBA9567}" type="datetimeFigureOut">
               <a:rPr lang="en-US" smtClean="0"/>
               <a:pPr/>
-              <a:t>12/20/2019</a:t>
+              <a:t>3/21/2020</a:t>
             </a:fld>
             <a:endParaRPr lang="en-US" dirty="0"/>
           </a:p>
@@ -1432,7 +1432,7 @@
             <a:fld id="{B61BEF0D-F0BB-DE4B-95CE-6DB70DBA9567}" type="datetimeFigureOut">
               <a:rPr lang="en-US" smtClean="0"/>
               <a:pPr/>
-              <a:t>12/20/2019</a:t>
+              <a:t>3/21/2020</a:t>
             </a:fld>
             <a:endParaRPr lang="en-US" dirty="0"/>
           </a:p>
@@ -1767,7 +1767,7 @@
             <a:fld id="{B61BEF0D-F0BB-DE4B-95CE-6DB70DBA9567}" type="datetimeFigureOut">
               <a:rPr lang="en-US" smtClean="0"/>
               <a:pPr/>
-              <a:t>12/20/2019</a:t>
+              <a:t>3/21/2020</a:t>
             </a:fld>
             <a:endParaRPr lang="en-US" dirty="0"/>
           </a:p>
@@ -2083,7 +2083,7 @@
             <a:fld id="{B61BEF0D-F0BB-DE4B-95CE-6DB70DBA9567}" type="datetimeFigureOut">
               <a:rPr lang="en-US" smtClean="0"/>
               <a:pPr/>
-              <a:t>12/20/2019</a:t>
+              <a:t>3/21/2020</a:t>
             </a:fld>
             <a:endParaRPr lang="en-US" dirty="0"/>
           </a:p>
@@ -2478,7 +2478,7 @@
             <a:fld id="{B61BEF0D-F0BB-DE4B-95CE-6DB70DBA9567}" type="datetimeFigureOut">
               <a:rPr lang="en-US" smtClean="0"/>
               <a:pPr/>
-              <a:t>12/20/2019</a:t>
+              <a:t>3/21/2020</a:t>
             </a:fld>
             <a:endParaRPr lang="en-US" dirty="0"/>
           </a:p>
@@ -2649,7 +2649,7 @@
           <a:p>
             <a:fld id="{55C6B4A9-1611-4792-9094-5F34BCA07E0B}" type="datetimeFigureOut">
               <a:rPr lang="en-US" smtClean="0"/>
-              <a:t>12/20/2019</a:t>
+              <a:t>3/21/2020</a:t>
             </a:fld>
             <a:endParaRPr lang="en-US" dirty="0"/>
           </a:p>
@@ -2830,7 +2830,7 @@
             <a:fld id="{B61BEF0D-F0BB-DE4B-95CE-6DB70DBA9567}" type="datetimeFigureOut">
               <a:rPr lang="en-US" smtClean="0"/>
               <a:pPr/>
-              <a:t>12/20/2019</a:t>
+              <a:t>3/21/2020</a:t>
             </a:fld>
             <a:endParaRPr lang="en-US" dirty="0"/>
           </a:p>
@@ -3040,7 +3040,7 @@
             <a:fld id="{B61BEF0D-F0BB-DE4B-95CE-6DB70DBA9567}" type="datetimeFigureOut">
               <a:rPr lang="en-US" smtClean="0"/>
               <a:pPr/>
-              <a:t>12/20/2019</a:t>
+              <a:t>3/21/2020</a:t>
             </a:fld>
             <a:endParaRPr lang="en-US" dirty="0"/>
           </a:p>
@@ -3240,7 +3240,7 @@
             <a:fld id="{B61BEF0D-F0BB-DE4B-95CE-6DB70DBA9567}" type="datetimeFigureOut">
               <a:rPr lang="en-US" smtClean="0"/>
               <a:pPr/>
-              <a:t>12/20/2019</a:t>
+              <a:t>3/21/2020</a:t>
             </a:fld>
             <a:endParaRPr lang="en-US" dirty="0"/>
           </a:p>
@@ -3517,7 +3517,7 @@
             <a:fld id="{B61BEF0D-F0BB-DE4B-95CE-6DB70DBA9567}" type="datetimeFigureOut">
               <a:rPr lang="en-US" smtClean="0"/>
               <a:pPr/>
-              <a:t>12/20/2019</a:t>
+              <a:t>3/21/2020</a:t>
             </a:fld>
             <a:endParaRPr lang="en-US" dirty="0"/>
           </a:p>
@@ -3701,7 +3701,7 @@
             <a:fld id="{B61BEF0D-F0BB-DE4B-95CE-6DB70DBA9567}" type="datetimeFigureOut">
               <a:rPr lang="en-US" smtClean="0"/>
               <a:pPr/>
-              <a:t>12/20/2019</a:t>
+              <a:t>3/21/2020</a:t>
             </a:fld>
             <a:endParaRPr lang="en-US" dirty="0"/>
           </a:p>
@@ -3955,7 +3955,7 @@
           <a:p>
             <a:fld id="{EB712588-04B1-427B-82EE-E8DB90309F08}" type="datetimeFigureOut">
               <a:rPr lang="en-US" smtClean="0"/>
-              <a:t>12/20/2019</a:t>
+              <a:t>3/21/2020</a:t>
             </a:fld>
             <a:endParaRPr lang="en-US" dirty="0"/>
           </a:p>
@@ -4368,7 +4368,7 @@
             <a:fld id="{B61BEF0D-F0BB-DE4B-95CE-6DB70DBA9567}" type="datetimeFigureOut">
               <a:rPr lang="en-US" smtClean="0"/>
               <a:pPr/>
-              <a:t>12/20/2019</a:t>
+              <a:t>3/21/2020</a:t>
             </a:fld>
             <a:endParaRPr lang="en-US" dirty="0"/>
           </a:p>
@@ -4511,7 +4511,7 @@
             <a:fld id="{B61BEF0D-F0BB-DE4B-95CE-6DB70DBA9567}" type="datetimeFigureOut">
               <a:rPr lang="en-US" smtClean="0"/>
               <a:pPr/>
-              <a:t>12/20/2019</a:t>
+              <a:t>3/21/2020</a:t>
             </a:fld>
             <a:endParaRPr lang="en-US" dirty="0"/>
           </a:p>
@@ -4626,7 +4626,7 @@
             <a:fld id="{B61BEF0D-F0BB-DE4B-95CE-6DB70DBA9567}" type="datetimeFigureOut">
               <a:rPr lang="en-US" smtClean="0"/>
               <a:pPr/>
-              <a:t>12/20/2019</a:t>
+              <a:t>3/21/2020</a:t>
             </a:fld>
             <a:endParaRPr lang="en-US" dirty="0"/>
           </a:p>
@@ -4938,7 +4938,7 @@
           <a:p>
             <a:fld id="{42A54C80-263E-416B-A8E0-580EDEADCBDC}" type="datetimeFigureOut">
               <a:rPr lang="en-US" smtClean="0"/>
-              <a:t>12/20/2019</a:t>
+              <a:t>3/21/2020</a:t>
             </a:fld>
             <a:endParaRPr lang="en-US" dirty="0"/>
           </a:p>
@@ -5227,7 +5227,7 @@
             <a:fld id="{B61BEF0D-F0BB-DE4B-95CE-6DB70DBA9567}" type="datetimeFigureOut">
               <a:rPr lang="en-US" smtClean="0"/>
               <a:pPr/>
-              <a:t>12/20/2019</a:t>
+              <a:t>3/21/2020</a:t>
             </a:fld>
             <a:endParaRPr lang="en-US" dirty="0"/>
           </a:p>
@@ -5426,7 +5426,7 @@
           <a:p>
             <a:fld id="{55C6B4A9-1611-4792-9094-5F34BCA07E0B}" type="datetimeFigureOut">
               <a:rPr lang="en-US" smtClean="0"/>
-              <a:t>12/20/2019</a:t>
+              <a:t>3/21/2020</a:t>
             </a:fld>
             <a:endParaRPr lang="en-US" dirty="0"/>
           </a:p>
@@ -5635,7 +5635,7 @@
             <a:fld id="{B61BEF0D-F0BB-DE4B-95CE-6DB70DBA9567}" type="datetimeFigureOut">
               <a:rPr lang="en-US" smtClean="0"/>
               <a:pPr/>
-              <a:t>12/20/2019</a:t>
+              <a:t>3/21/2020</a:t>
             </a:fld>
             <a:endParaRPr lang="en-US" dirty="0"/>
           </a:p>
@@ -5896,7 +5896,7 @@
             <a:fld id="{B61BEF0D-F0BB-DE4B-95CE-6DB70DBA9567}" type="datetimeFigureOut">
               <a:rPr lang="en-US" smtClean="0"/>
               <a:pPr/>
-              <a:t>12/20/2019</a:t>
+              <a:t>3/21/2020</a:t>
             </a:fld>
             <a:endParaRPr lang="en-US" dirty="0"/>
           </a:p>
@@ -6129,7 +6129,7 @@
           <a:p>
             <a:fld id="{EB712588-04B1-427B-82EE-E8DB90309F08}" type="datetimeFigureOut">
               <a:rPr lang="en-US" smtClean="0"/>
-              <a:t>12/20/2019</a:t>
+              <a:t>3/21/2020</a:t>
             </a:fld>
             <a:endParaRPr lang="en-US" dirty="0"/>
           </a:p>
@@ -6504,7 +6504,7 @@
             <a:fld id="{B61BEF0D-F0BB-DE4B-95CE-6DB70DBA9567}" type="datetimeFigureOut">
               <a:rPr lang="en-US" smtClean="0"/>
               <a:pPr/>
-              <a:t>12/20/2019</a:t>
+              <a:t>3/21/2020</a:t>
             </a:fld>
             <a:endParaRPr lang="en-US" dirty="0"/>
           </a:p>
@@ -6629,7 +6629,7 @@
             <a:fld id="{B61BEF0D-F0BB-DE4B-95CE-6DB70DBA9567}" type="datetimeFigureOut">
               <a:rPr lang="en-US" smtClean="0"/>
               <a:pPr/>
-              <a:t>12/20/2019</a:t>
+              <a:t>3/21/2020</a:t>
             </a:fld>
             <a:endParaRPr lang="en-US" dirty="0"/>
           </a:p>
@@ -6726,7 +6726,7 @@
             <a:fld id="{B61BEF0D-F0BB-DE4B-95CE-6DB70DBA9567}" type="datetimeFigureOut">
               <a:rPr lang="en-US" smtClean="0"/>
               <a:pPr/>
-              <a:t>12/20/2019</a:t>
+              <a:t>3/21/2020</a:t>
             </a:fld>
             <a:endParaRPr lang="en-US" dirty="0"/>
           </a:p>
@@ -6982,7 +6982,7 @@
           <a:p>
             <a:fld id="{42A54C80-263E-416B-A8E0-580EDEADCBDC}" type="datetimeFigureOut">
               <a:rPr lang="en-US" smtClean="0"/>
-              <a:t>12/20/2019</a:t>
+              <a:t>3/21/2020</a:t>
             </a:fld>
             <a:endParaRPr lang="en-US" dirty="0"/>
           </a:p>
@@ -7289,7 +7289,7 @@
             <a:fld id="{B61BEF0D-F0BB-DE4B-95CE-6DB70DBA9567}" type="datetimeFigureOut">
               <a:rPr lang="en-US" smtClean="0"/>
               <a:pPr/>
-              <a:t>12/20/2019</a:t>
+              <a:t>3/21/2020</a:t>
             </a:fld>
             <a:endParaRPr lang="en-US" dirty="0"/>
           </a:p>
@@ -7995,7 +7995,7 @@
             <a:fld id="{B61BEF0D-F0BB-DE4B-95CE-6DB70DBA9567}" type="datetimeFigureOut">
               <a:rPr lang="en-US" smtClean="0"/>
               <a:pPr/>
-              <a:t>12/20/2019</a:t>
+              <a:t>3/21/2020</a:t>
             </a:fld>
             <a:endParaRPr lang="en-US" dirty="0"/>
           </a:p>
@@ -8672,7 +8672,7 @@
             <a:fld id="{B61BEF0D-F0BB-DE4B-95CE-6DB70DBA9567}" type="datetimeFigureOut">
               <a:rPr lang="en-US" smtClean="0"/>
               <a:pPr/>
-              <a:t>12/20/2019</a:t>
+              <a:t>3/21/2020</a:t>
             </a:fld>
             <a:endParaRPr lang="en-US" dirty="0"/>
           </a:p>
@@ -9743,8 +9743,8 @@
             </p:nvSpPr>
             <p:spPr>
               <a:xfrm>
-                <a:off x="738294" y="1614784"/>
-                <a:ext cx="8953500" cy="3628432"/>
+                <a:off x="738294" y="1614783"/>
+                <a:ext cx="8953500" cy="4892549"/>
               </a:xfrm>
               <a:prstGeom prst="rect">
                 <a:avLst/>
@@ -10424,9 +10424,18 @@
                         </m:r>
                       </m:sub>
                     </m:sSub>
+                    <m:r>
+                      <a:rPr lang="es-ES" b="0" i="1" smtClean="0">
+                        <a:solidFill>
+                          <a:schemeClr val="bg1"/>
+                        </a:solidFill>
+                        <a:latin typeface="Cambria Math" panose="02040503050406030204" pitchFamily="18" charset="0"/>
+                      </a:rPr>
+                      <m:t>.</m:t>
+                    </m:r>
                   </m:oMath>
                 </a14:m>
-                <a:endParaRPr lang="es-ES" dirty="0">
+                <a:endParaRPr lang="es-ES" b="0" dirty="0">
                   <a:solidFill>
                     <a:schemeClr val="bg1"/>
                   </a:solidFill>
@@ -10439,18 +10448,17 @@
                   </a:spcAft>
                   <a:buNone/>
                 </a:pPr>
-                <a:endParaRPr lang="es-ES" dirty="0">
+                <a:endParaRPr lang="es-ES" sz="1050" dirty="0">
                   <a:solidFill>
                     <a:schemeClr val="bg1"/>
                   </a:solidFill>
                 </a:endParaRPr>
               </a:p>
               <a:p>
-                <a:pPr marL="0" indent="0">
+                <a:pPr>
                   <a:spcAft>
                     <a:spcPts val="1800"/>
                   </a:spcAft>
-                  <a:buNone/>
                 </a:pPr>
                 <a:r>
                   <a:rPr lang="es-ES" dirty="0">
@@ -10458,7 +10466,7 @@
                       <a:schemeClr val="bg1"/>
                     </a:solidFill>
                   </a:rPr>
-                  <a:t>Entonces, la función de densidad condicional de </a:t>
+                  <a:t>La función de densidad condicional de </a:t>
                 </a:r>
                 <a14:m>
                   <m:oMath xmlns:m="http://schemas.openxmlformats.org/officeDocument/2006/math">
@@ -10808,6 +10816,376 @@
                   </a:solidFill>
                 </a:endParaRPr>
               </a:p>
+              <a:p>
+                <a:pPr>
+                  <a:spcAft>
+                    <a:spcPts val="1800"/>
+                  </a:spcAft>
+                </a:pPr>
+                <a:r>
+                  <a:rPr lang="es-ES" dirty="0">
+                    <a:solidFill>
+                      <a:schemeClr val="bg1"/>
+                    </a:solidFill>
+                  </a:rPr>
+                  <a:t>La función de densidad condicional de </a:t>
+                </a:r>
+                <a14:m>
+                  <m:oMath xmlns:m="http://schemas.openxmlformats.org/officeDocument/2006/math">
+                    <m:r>
+                      <a:rPr lang="es-ES" b="1">
+                        <a:solidFill>
+                          <a:schemeClr val="bg1"/>
+                        </a:solidFill>
+                        <a:latin typeface="Cambria Math" panose="02040503050406030204" pitchFamily="18" charset="0"/>
+                      </a:rPr>
+                      <m:t>𝐲</m:t>
+                    </m:r>
+                  </m:oMath>
+                </a14:m>
+                <a:r>
+                  <a:rPr lang="es-ES" dirty="0">
+                    <a:solidFill>
+                      <a:schemeClr val="bg1"/>
+                    </a:solidFill>
+                  </a:rPr>
+                  <a:t> dado</a:t>
+                </a:r>
+                <a:r>
+                  <a:rPr lang="es-ES" i="1" dirty="0">
+                    <a:solidFill>
+                      <a:schemeClr val="bg1"/>
+                    </a:solidFill>
+                    <a:latin typeface="Cambria Math" panose="02040503050406030204" pitchFamily="18" charset="0"/>
+                  </a:rPr>
+                  <a:t> </a:t>
+                </a:r>
+                <a14:m>
+                  <m:oMath xmlns:m="http://schemas.openxmlformats.org/officeDocument/2006/math">
+                    <m:r>
+                      <a:rPr lang="es-ES" b="1">
+                        <a:solidFill>
+                          <a:schemeClr val="bg1"/>
+                        </a:solidFill>
+                        <a:latin typeface="Cambria Math" panose="02040503050406030204" pitchFamily="18" charset="0"/>
+                      </a:rPr>
+                      <m:t>𝐱</m:t>
+                    </m:r>
+                  </m:oMath>
+                </a14:m>
+                <a:r>
+                  <a:rPr lang="es-ES" i="1" dirty="0">
+                    <a:solidFill>
+                      <a:schemeClr val="bg1"/>
+                    </a:solidFill>
+                    <a:latin typeface="Cambria Math" panose="02040503050406030204" pitchFamily="18" charset="0"/>
+                  </a:rPr>
+                  <a:t> </a:t>
+                </a:r>
+                <a:r>
+                  <a:rPr lang="es-ES" dirty="0">
+                    <a:solidFill>
+                      <a:schemeClr val="bg1"/>
+                    </a:solidFill>
+                    <a:latin typeface="Cambria Math" panose="02040503050406030204" pitchFamily="18" charset="0"/>
+                  </a:rPr>
+                  <a:t>es:</a:t>
+                </a:r>
+              </a:p>
+              <a:p>
+                <a:pPr marL="0" indent="0">
+                  <a:spcAft>
+                    <a:spcPts val="1800"/>
+                  </a:spcAft>
+                  <a:buNone/>
+                </a:pPr>
+                <a14:m>
+                  <m:oMathPara xmlns:m="http://schemas.openxmlformats.org/officeDocument/2006/math">
+                    <m:oMathParaPr>
+                      <m:jc m:val="centerGroup"/>
+                    </m:oMathParaPr>
+                    <m:oMath xmlns:m="http://schemas.openxmlformats.org/officeDocument/2006/math">
+                      <m:sSub>
+                        <m:sSubPr>
+                          <m:ctrlPr>
+                            <a:rPr lang="es-ES" i="1">
+                              <a:solidFill>
+                                <a:schemeClr val="bg1"/>
+                              </a:solidFill>
+                              <a:latin typeface="Cambria Math" panose="02040503050406030204" pitchFamily="18" charset="0"/>
+                            </a:rPr>
+                          </m:ctrlPr>
+                        </m:sSubPr>
+                        <m:e>
+                          <m:r>
+                            <a:rPr lang="es-ES" i="1">
+                              <a:solidFill>
+                                <a:schemeClr val="bg1"/>
+                              </a:solidFill>
+                              <a:latin typeface="Cambria Math" panose="02040503050406030204" pitchFamily="18" charset="0"/>
+                            </a:rPr>
+                            <m:t>𝑓</m:t>
+                          </m:r>
+                        </m:e>
+                        <m:sub>
+                          <m:r>
+                            <a:rPr lang="es-ES" b="1">
+                              <a:solidFill>
+                                <a:schemeClr val="bg1"/>
+                              </a:solidFill>
+                              <a:latin typeface="Cambria Math" panose="02040503050406030204" pitchFamily="18" charset="0"/>
+                            </a:rPr>
+                            <m:t>𝐱</m:t>
+                          </m:r>
+                          <m:r>
+                            <a:rPr lang="es-ES" b="1" i="0" smtClean="0">
+                              <a:solidFill>
+                                <a:schemeClr val="bg1"/>
+                              </a:solidFill>
+                              <a:latin typeface="Cambria Math" panose="02040503050406030204" pitchFamily="18" charset="0"/>
+                            </a:rPr>
+                            <m:t>|</m:t>
+                          </m:r>
+                          <m:r>
+                            <a:rPr lang="es-ES" b="1">
+                              <a:solidFill>
+                                <a:schemeClr val="bg1"/>
+                              </a:solidFill>
+                              <a:latin typeface="Cambria Math" panose="02040503050406030204" pitchFamily="18" charset="0"/>
+                            </a:rPr>
+                            <m:t>𝐲</m:t>
+                          </m:r>
+                        </m:sub>
+                      </m:sSub>
+                      <m:d>
+                        <m:dPr>
+                          <m:ctrlPr>
+                            <a:rPr lang="es-ES" i="1">
+                              <a:solidFill>
+                                <a:schemeClr val="bg1"/>
+                              </a:solidFill>
+                              <a:latin typeface="Cambria Math" panose="02040503050406030204" pitchFamily="18" charset="0"/>
+                            </a:rPr>
+                          </m:ctrlPr>
+                        </m:dPr>
+                        <m:e>
+                          <m:r>
+                            <a:rPr lang="es-ES" i="1">
+                              <a:solidFill>
+                                <a:schemeClr val="bg1"/>
+                              </a:solidFill>
+                              <a:latin typeface="Cambria Math" panose="02040503050406030204" pitchFamily="18" charset="0"/>
+                            </a:rPr>
+                            <m:t>𝑥</m:t>
+                          </m:r>
+                          <m:r>
+                            <a:rPr lang="es-ES" b="0" i="1" smtClean="0">
+                              <a:solidFill>
+                                <a:schemeClr val="bg1"/>
+                              </a:solidFill>
+                              <a:latin typeface="Cambria Math" panose="02040503050406030204" pitchFamily="18" charset="0"/>
+                            </a:rPr>
+                            <m:t>|</m:t>
+                          </m:r>
+                          <m:r>
+                            <a:rPr lang="es-ES" i="1">
+                              <a:solidFill>
+                                <a:schemeClr val="bg1"/>
+                              </a:solidFill>
+                              <a:latin typeface="Cambria Math" panose="02040503050406030204" pitchFamily="18" charset="0"/>
+                            </a:rPr>
+                            <m:t>𝑦</m:t>
+                          </m:r>
+                        </m:e>
+                      </m:d>
+                      <m:r>
+                        <a:rPr lang="es-ES" i="1">
+                          <a:solidFill>
+                            <a:schemeClr val="bg1"/>
+                          </a:solidFill>
+                          <a:latin typeface="Cambria Math" panose="02040503050406030204" pitchFamily="18" charset="0"/>
+                        </a:rPr>
+                        <m:t>=</m:t>
+                      </m:r>
+                      <m:f>
+                        <m:fPr>
+                          <m:ctrlPr>
+                            <a:rPr lang="es-ES" i="1">
+                              <a:solidFill>
+                                <a:schemeClr val="bg1"/>
+                              </a:solidFill>
+                              <a:latin typeface="Cambria Math" panose="02040503050406030204" pitchFamily="18" charset="0"/>
+                            </a:rPr>
+                          </m:ctrlPr>
+                        </m:fPr>
+                        <m:num>
+                          <m:sSub>
+                            <m:sSubPr>
+                              <m:ctrlPr>
+                                <a:rPr lang="es-ES" i="1">
+                                  <a:solidFill>
+                                    <a:schemeClr val="bg1"/>
+                                  </a:solidFill>
+                                  <a:latin typeface="Cambria Math" panose="02040503050406030204" pitchFamily="18" charset="0"/>
+                                </a:rPr>
+                              </m:ctrlPr>
+                            </m:sSubPr>
+                            <m:e>
+                              <m:r>
+                                <a:rPr lang="es-ES" i="1">
+                                  <a:solidFill>
+                                    <a:schemeClr val="bg1"/>
+                                  </a:solidFill>
+                                  <a:latin typeface="Cambria Math" panose="02040503050406030204" pitchFamily="18" charset="0"/>
+                                </a:rPr>
+                                <m:t>𝑓</m:t>
+                              </m:r>
+                            </m:e>
+                            <m:sub>
+                              <m:r>
+                                <a:rPr lang="es-ES" b="1">
+                                  <a:solidFill>
+                                    <a:schemeClr val="bg1"/>
+                                  </a:solidFill>
+                                  <a:latin typeface="Cambria Math" panose="02040503050406030204" pitchFamily="18" charset="0"/>
+                                </a:rPr>
+                                <m:t>𝐱</m:t>
+                              </m:r>
+                              <m:r>
+                                <a:rPr lang="es-ES" b="1">
+                                  <a:solidFill>
+                                    <a:schemeClr val="bg1"/>
+                                  </a:solidFill>
+                                  <a:latin typeface="Cambria Math" panose="02040503050406030204" pitchFamily="18" charset="0"/>
+                                </a:rPr>
+                                <m:t>𝐲</m:t>
+                              </m:r>
+                            </m:sub>
+                          </m:sSub>
+                          <m:d>
+                            <m:dPr>
+                              <m:ctrlPr>
+                                <a:rPr lang="es-ES" i="1">
+                                  <a:solidFill>
+                                    <a:schemeClr val="bg1"/>
+                                  </a:solidFill>
+                                  <a:latin typeface="Cambria Math" panose="02040503050406030204" pitchFamily="18" charset="0"/>
+                                </a:rPr>
+                              </m:ctrlPr>
+                            </m:dPr>
+                            <m:e>
+                              <m:r>
+                                <a:rPr lang="es-ES" i="1">
+                                  <a:solidFill>
+                                    <a:schemeClr val="bg1"/>
+                                  </a:solidFill>
+                                  <a:latin typeface="Cambria Math" panose="02040503050406030204" pitchFamily="18" charset="0"/>
+                                </a:rPr>
+                                <m:t>𝑥</m:t>
+                              </m:r>
+                              <m:r>
+                                <a:rPr lang="es-ES" i="1">
+                                  <a:solidFill>
+                                    <a:schemeClr val="bg1"/>
+                                  </a:solidFill>
+                                  <a:latin typeface="Cambria Math" panose="02040503050406030204" pitchFamily="18" charset="0"/>
+                                </a:rPr>
+                                <m:t>,</m:t>
+                              </m:r>
+                              <m:r>
+                                <a:rPr lang="es-ES" i="1">
+                                  <a:solidFill>
+                                    <a:schemeClr val="bg1"/>
+                                  </a:solidFill>
+                                  <a:latin typeface="Cambria Math" panose="02040503050406030204" pitchFamily="18" charset="0"/>
+                                </a:rPr>
+                                <m:t>𝑦</m:t>
+                              </m:r>
+                            </m:e>
+                          </m:d>
+                        </m:num>
+                        <m:den>
+                          <m:sSub>
+                            <m:sSubPr>
+                              <m:ctrlPr>
+                                <a:rPr lang="es-ES" i="1">
+                                  <a:solidFill>
+                                    <a:schemeClr val="bg1"/>
+                                  </a:solidFill>
+                                  <a:latin typeface="Cambria Math" panose="02040503050406030204" pitchFamily="18" charset="0"/>
+                                </a:rPr>
+                              </m:ctrlPr>
+                            </m:sSubPr>
+                            <m:e>
+                              <m:r>
+                                <a:rPr lang="es-ES" i="1">
+                                  <a:solidFill>
+                                    <a:schemeClr val="bg1"/>
+                                  </a:solidFill>
+                                  <a:latin typeface="Cambria Math" panose="02040503050406030204" pitchFamily="18" charset="0"/>
+                                </a:rPr>
+                                <m:t>𝑓</m:t>
+                              </m:r>
+                            </m:e>
+                            <m:sub>
+                              <m:r>
+                                <a:rPr lang="es-ES" b="1" i="0" smtClean="0">
+                                  <a:solidFill>
+                                    <a:schemeClr val="bg1"/>
+                                  </a:solidFill>
+                                  <a:latin typeface="Cambria Math" panose="02040503050406030204" pitchFamily="18" charset="0"/>
+                                </a:rPr>
+                                <m:t>𝐲</m:t>
+                              </m:r>
+                            </m:sub>
+                          </m:sSub>
+                          <m:d>
+                            <m:dPr>
+                              <m:ctrlPr>
+                                <a:rPr lang="es-ES" i="1">
+                                  <a:solidFill>
+                                    <a:schemeClr val="bg1"/>
+                                  </a:solidFill>
+                                  <a:latin typeface="Cambria Math" panose="02040503050406030204" pitchFamily="18" charset="0"/>
+                                </a:rPr>
+                              </m:ctrlPr>
+                            </m:dPr>
+                            <m:e>
+                              <m:r>
+                                <a:rPr lang="es-ES" b="0" i="1" smtClean="0">
+                                  <a:solidFill>
+                                    <a:schemeClr val="bg1"/>
+                                  </a:solidFill>
+                                  <a:latin typeface="Cambria Math" panose="02040503050406030204" pitchFamily="18" charset="0"/>
+                                </a:rPr>
+                                <m:t>𝑦</m:t>
+                              </m:r>
+                            </m:e>
+                          </m:d>
+                        </m:den>
+                      </m:f>
+                    </m:oMath>
+                  </m:oMathPara>
+                </a14:m>
+                <a:endParaRPr lang="es-ES" dirty="0">
+                  <a:solidFill>
+                    <a:schemeClr val="bg1"/>
+                  </a:solidFill>
+                </a:endParaRPr>
+              </a:p>
+              <a:p>
+                <a:pPr marL="0" indent="0">
+                  <a:spcAft>
+                    <a:spcPts val="1800"/>
+                  </a:spcAft>
+                  <a:buNone/>
+                </a:pPr>
+                <a:endParaRPr lang="es-ES" dirty="0">
+                  <a:solidFill>
+                    <a:schemeClr val="bg1"/>
+                  </a:solidFill>
+                </a:endParaRPr>
+              </a:p>
             </p:txBody>
           </p:sp>
         </mc:Choice>
@@ -10822,8 +11200,8 @@
             </p:nvSpPr>
             <p:spPr>
               <a:xfrm>
-                <a:off x="738294" y="1614784"/>
-                <a:ext cx="8953500" cy="3628432"/>
+                <a:off x="738294" y="1614783"/>
+                <a:ext cx="8953500" cy="4892549"/>
               </a:xfrm>
               <a:prstGeom prst="rect">
                 <a:avLst/>
@@ -10915,8 +11293,8 @@
           <a:chExt cx="0" cy="0"/>
         </a:xfrm>
       </p:grpSpPr>
-      <mc:AlternateContent xmlns:mc="http://schemas.openxmlformats.org/markup-compatibility/2006" xmlns:a14="http://schemas.microsoft.com/office/drawing/2010/main">
-        <mc:Choice Requires="a14">
+      <mc:AlternateContent xmlns:mc="http://schemas.openxmlformats.org/markup-compatibility/2006">
+        <mc:Choice xmlns:a14="http://schemas.microsoft.com/office/drawing/2010/main" Requires="a14">
           <p:sp>
             <p:nvSpPr>
               <p:cNvPr id="5" name="Marcador de contenido 2"/>
@@ -11178,7 +11556,39 @@
                       <a:schemeClr val="bg1"/>
                     </a:solidFill>
                   </a:rPr>
-                  <a:t>De la definición anterior podemos definir una expresión para la función de densidad conjunta dependiendo de la condicional:</a:t>
+                  <a:t>De la definición anterior podemos definir una expresión para la </a:t>
+                </a:r>
+                <a:r>
+                  <a:rPr lang="es-ES" dirty="0">
+                    <a:solidFill>
+                      <a:srgbClr val="00B0F0"/>
+                    </a:solidFill>
+                  </a:rPr>
+                  <a:t>función de densidad </a:t>
+                </a:r>
+                <a:r>
+                  <a:rPr lang="es-ES" dirty="0">
+                    <a:solidFill>
+                      <a:schemeClr val="bg1"/>
+                    </a:solidFill>
+                  </a:rPr>
+                  <a:t>conjunta dependiendo de la </a:t>
+                </a:r>
+                <a:r>
+                  <a:rPr lang="es-ES" dirty="0">
+                    <a:solidFill>
+                      <a:srgbClr val="FFFF00"/>
+                    </a:solidFill>
+                  </a:rPr>
+                  <a:t>condicional</a:t>
+                </a:r>
+                <a:r>
+                  <a:rPr lang="es-ES" dirty="0">
+                    <a:solidFill>
+                      <a:schemeClr val="bg1"/>
+                    </a:solidFill>
+                  </a:rPr>
+                  <a:t>:</a:t>
                 </a:r>
               </a:p>
               <a:p>
@@ -11197,9 +11607,9 @@
                       <m:sSub>
                         <m:sSubPr>
                           <m:ctrlPr>
-                            <a:rPr lang="es-ES" i="1">
+                            <a:rPr lang="es-ES" i="1" smtClean="0">
                               <a:solidFill>
-                                <a:schemeClr val="bg1"/>
+                                <a:srgbClr val="00B0F0"/>
                               </a:solidFill>
                               <a:latin typeface="Cambria Math" panose="02040503050406030204" pitchFamily="18" charset="0"/>
                             </a:rPr>
@@ -11209,7 +11619,7 @@
                           <m:r>
                             <a:rPr lang="es-ES" i="1">
                               <a:solidFill>
-                                <a:schemeClr val="bg1"/>
+                                <a:srgbClr val="00B0F0"/>
                               </a:solidFill>
                               <a:latin typeface="Cambria Math" panose="02040503050406030204" pitchFamily="18" charset="0"/>
                             </a:rPr>
@@ -11220,7 +11630,7 @@
                           <m:r>
                             <a:rPr lang="es-ES" b="1">
                               <a:solidFill>
-                                <a:schemeClr val="bg1"/>
+                                <a:srgbClr val="00B0F0"/>
                               </a:solidFill>
                               <a:latin typeface="Cambria Math" panose="02040503050406030204" pitchFamily="18" charset="0"/>
                             </a:rPr>
@@ -11233,7 +11643,7 @@
                           <m:ctrlPr>
                             <a:rPr lang="es-ES" i="1">
                               <a:solidFill>
-                                <a:schemeClr val="bg1"/>
+                                <a:srgbClr val="00B0F0"/>
                               </a:solidFill>
                               <a:latin typeface="Cambria Math" panose="02040503050406030204" pitchFamily="18" charset="0"/>
                             </a:rPr>
@@ -11243,7 +11653,7 @@
                           <m:r>
                             <a:rPr lang="es-ES" i="1">
                               <a:solidFill>
-                                <a:schemeClr val="bg1"/>
+                                <a:srgbClr val="00B0F0"/>
                               </a:solidFill>
                               <a:latin typeface="Cambria Math" panose="02040503050406030204" pitchFamily="18" charset="0"/>
                             </a:rPr>
@@ -11252,7 +11662,7 @@
                           <m:r>
                             <a:rPr lang="es-ES" i="1">
                               <a:solidFill>
-                                <a:schemeClr val="bg1"/>
+                                <a:srgbClr val="00B0F0"/>
                               </a:solidFill>
                               <a:latin typeface="Cambria Math" panose="02040503050406030204" pitchFamily="18" charset="0"/>
                             </a:rPr>
@@ -11261,7 +11671,7 @@
                           <m:r>
                             <a:rPr lang="es-ES" i="1">
                               <a:solidFill>
-                                <a:schemeClr val="bg1"/>
+                                <a:srgbClr val="00B0F0"/>
                               </a:solidFill>
                               <a:latin typeface="Cambria Math" panose="02040503050406030204" pitchFamily="18" charset="0"/>
                             </a:rPr>
@@ -11283,7 +11693,7 @@
                           <m:ctrlPr>
                             <a:rPr lang="es-ES" b="0" i="1" smtClean="0">
                               <a:solidFill>
-                                <a:schemeClr val="bg1"/>
+                                <a:srgbClr val="FFFF00"/>
                               </a:solidFill>
                               <a:latin typeface="Cambria Math" panose="02040503050406030204" pitchFamily="18" charset="0"/>
                             </a:rPr>
@@ -11293,7 +11703,7 @@
                           <m:r>
                             <a:rPr lang="es-ES" b="0" i="1" smtClean="0">
                               <a:solidFill>
-                                <a:schemeClr val="bg1"/>
+                                <a:srgbClr val="FFFF00"/>
                               </a:solidFill>
                               <a:latin typeface="Cambria Math" panose="02040503050406030204" pitchFamily="18" charset="0"/>
                             </a:rPr>
@@ -11304,7 +11714,7 @@
                           <m:r>
                             <a:rPr lang="es-ES" b="1">
                               <a:solidFill>
-                                <a:schemeClr val="bg1"/>
+                                <a:srgbClr val="FFFF00"/>
                               </a:solidFill>
                               <a:latin typeface="Cambria Math" panose="02040503050406030204" pitchFamily="18" charset="0"/>
                             </a:rPr>
@@ -11313,7 +11723,7 @@
                           <m:r>
                             <a:rPr lang="es-ES" i="1">
                               <a:solidFill>
-                                <a:schemeClr val="bg1"/>
+                                <a:srgbClr val="FFFF00"/>
                               </a:solidFill>
                               <a:latin typeface="Cambria Math" panose="02040503050406030204" pitchFamily="18" charset="0"/>
                             </a:rPr>
@@ -11322,7 +11732,7 @@
                           <m:r>
                             <a:rPr lang="es-ES" b="1">
                               <a:solidFill>
-                                <a:schemeClr val="bg1"/>
+                                <a:srgbClr val="FFFF00"/>
                               </a:solidFill>
                               <a:latin typeface="Cambria Math" panose="02040503050406030204" pitchFamily="18" charset="0"/>
                             </a:rPr>
@@ -11335,7 +11745,7 @@
                           <m:ctrlPr>
                             <a:rPr lang="es-ES" b="0" i="1" smtClean="0">
                               <a:solidFill>
-                                <a:schemeClr val="bg1"/>
+                                <a:srgbClr val="FFFF00"/>
                               </a:solidFill>
                               <a:latin typeface="Cambria Math" panose="02040503050406030204" pitchFamily="18" charset="0"/>
                             </a:rPr>
@@ -11345,7 +11755,7 @@
                           <m:r>
                             <a:rPr lang="es-ES" b="0" i="1" smtClean="0">
                               <a:solidFill>
-                                <a:schemeClr val="bg1"/>
+                                <a:srgbClr val="FFFF00"/>
                               </a:solidFill>
                               <a:latin typeface="Cambria Math" panose="02040503050406030204" pitchFamily="18" charset="0"/>
                             </a:rPr>
@@ -11354,7 +11764,7 @@
                           <m:r>
                             <a:rPr lang="es-ES" b="0" i="1" smtClean="0">
                               <a:solidFill>
-                                <a:schemeClr val="bg1"/>
+                                <a:srgbClr val="FFFF00"/>
                               </a:solidFill>
                               <a:latin typeface="Cambria Math" panose="02040503050406030204" pitchFamily="18" charset="0"/>
                             </a:rPr>
@@ -11363,7 +11773,7 @@
                           <m:r>
                             <a:rPr lang="es-ES" b="0" i="1" smtClean="0">
                               <a:solidFill>
-                                <a:schemeClr val="bg1"/>
+                                <a:srgbClr val="FFFF00"/>
                               </a:solidFill>
                               <a:latin typeface="Cambria Math" panose="02040503050406030204" pitchFamily="18" charset="0"/>
                             </a:rPr>
@@ -11431,7 +11841,7 @@
                       <m:r>
                         <a:rPr lang="es-ES" b="0" i="0" smtClean="0">
                           <a:solidFill>
-                            <a:schemeClr val="bg1"/>
+                            <a:srgbClr val="FF0000"/>
                           </a:solidFill>
                           <a:latin typeface="Cambria Math" panose="02040503050406030204" pitchFamily="18" charset="0"/>
                         </a:rPr>
@@ -11440,9 +11850,9 @@
                       <m:sSub>
                         <m:sSubPr>
                           <m:ctrlPr>
-                            <a:rPr lang="es-ES" i="1">
+                            <a:rPr lang="es-ES" i="1" smtClean="0">
                               <a:solidFill>
-                                <a:schemeClr val="bg1"/>
+                                <a:srgbClr val="FFFF00"/>
                               </a:solidFill>
                               <a:latin typeface="Cambria Math" panose="02040503050406030204" pitchFamily="18" charset="0"/>
                             </a:rPr>
@@ -11452,7 +11862,7 @@
                           <m:r>
                             <a:rPr lang="es-ES" i="1">
                               <a:solidFill>
-                                <a:schemeClr val="bg1"/>
+                                <a:srgbClr val="FFFF00"/>
                               </a:solidFill>
                               <a:latin typeface="Cambria Math" panose="02040503050406030204" pitchFamily="18" charset="0"/>
                             </a:rPr>
@@ -11463,7 +11873,7 @@
                           <m:r>
                             <a:rPr lang="es-ES" b="1">
                               <a:solidFill>
-                                <a:schemeClr val="bg1"/>
+                                <a:srgbClr val="FFFF00"/>
                               </a:solidFill>
                               <a:latin typeface="Cambria Math" panose="02040503050406030204" pitchFamily="18" charset="0"/>
                             </a:rPr>
@@ -11472,7 +11882,7 @@
                           <m:r>
                             <a:rPr lang="es-ES" i="1">
                               <a:solidFill>
-                                <a:schemeClr val="bg1"/>
+                                <a:srgbClr val="FFFF00"/>
                               </a:solidFill>
                               <a:latin typeface="Cambria Math" panose="02040503050406030204" pitchFamily="18" charset="0"/>
                             </a:rPr>
@@ -11481,7 +11891,7 @@
                           <m:r>
                             <a:rPr lang="es-ES" b="1">
                               <a:solidFill>
-                                <a:schemeClr val="bg1"/>
+                                <a:srgbClr val="FFFF00"/>
                               </a:solidFill>
                               <a:latin typeface="Cambria Math" panose="02040503050406030204" pitchFamily="18" charset="0"/>
                             </a:rPr>
@@ -11494,7 +11904,7 @@
                           <m:ctrlPr>
                             <a:rPr lang="es-ES" i="1">
                               <a:solidFill>
-                                <a:schemeClr val="bg1"/>
+                                <a:srgbClr val="FFFF00"/>
                               </a:solidFill>
                               <a:latin typeface="Cambria Math" panose="02040503050406030204" pitchFamily="18" charset="0"/>
                             </a:rPr>
@@ -11504,7 +11914,7 @@
                           <m:r>
                             <a:rPr lang="es-ES" b="0" i="1" smtClean="0">
                               <a:solidFill>
-                                <a:schemeClr val="bg1"/>
+                                <a:srgbClr val="FFFF00"/>
                               </a:solidFill>
                               <a:latin typeface="Cambria Math" panose="02040503050406030204" pitchFamily="18" charset="0"/>
                             </a:rPr>
@@ -11513,7 +11923,7 @@
                           <m:r>
                             <a:rPr lang="es-ES" i="1">
                               <a:solidFill>
-                                <a:schemeClr val="bg1"/>
+                                <a:srgbClr val="FFFF00"/>
                               </a:solidFill>
                               <a:latin typeface="Cambria Math" panose="02040503050406030204" pitchFamily="18" charset="0"/>
                             </a:rPr>
@@ -11522,7 +11932,7 @@
                           <m:r>
                             <a:rPr lang="es-ES" b="0" i="1" smtClean="0">
                               <a:solidFill>
-                                <a:schemeClr val="bg1"/>
+                                <a:srgbClr val="FFFF00"/>
                               </a:solidFill>
                               <a:latin typeface="Cambria Math" panose="02040503050406030204" pitchFamily="18" charset="0"/>
                             </a:rPr>
@@ -11609,7 +12019,23 @@
                       <a:schemeClr val="bg1"/>
                     </a:solidFill>
                   </a:rPr>
-                  <a:t>De la última igualdad, sale que:</a:t>
+                  <a:t>De la </a:t>
+                </a:r>
+                <a:r>
+                  <a:rPr lang="es-ES" dirty="0">
+                    <a:solidFill>
+                      <a:srgbClr val="FF0000"/>
+                    </a:solidFill>
+                  </a:rPr>
+                  <a:t>última igualdad</a:t>
+                </a:r>
+                <a:r>
+                  <a:rPr lang="es-ES" dirty="0">
+                    <a:solidFill>
+                      <a:schemeClr val="bg1"/>
+                    </a:solidFill>
+                  </a:rPr>
+                  <a:t>, sale que:</a:t>
                 </a:r>
               </a:p>
               <a:p>
@@ -12649,7 +13075,7 @@
             </p:txBody>
           </p:sp>
         </mc:Choice>
-        <mc:Fallback xmlns="">
+        <mc:Fallback>
           <p:sp>
             <p:nvSpPr>
               <p:cNvPr id="5" name="Marcador de contenido 2"/>
@@ -12831,8 +13257,8 @@
           <a:chExt cx="0" cy="0"/>
         </a:xfrm>
       </p:grpSpPr>
-      <mc:AlternateContent xmlns:mc="http://schemas.openxmlformats.org/markup-compatibility/2006" xmlns:a14="http://schemas.microsoft.com/office/drawing/2010/main">
-        <mc:Choice Requires="a14">
+      <mc:AlternateContent xmlns:mc="http://schemas.openxmlformats.org/markup-compatibility/2006">
+        <mc:Choice xmlns:a14="http://schemas.microsoft.com/office/drawing/2010/main" Requires="a14">
           <p:sp>
             <p:nvSpPr>
               <p:cNvPr id="5" name="Marcador de contenido 2"/>
@@ -13771,7 +14197,7 @@
                       <a:schemeClr val="bg1"/>
                     </a:solidFill>
                   </a:rPr>
-                  <a:t>son independientes, entonces:</a:t>
+                  <a:t>son independientes, entonces las condicionales:</a:t>
                 </a:r>
               </a:p>
               <a:p>
@@ -14163,7 +14589,7 @@
             </p:txBody>
           </p:sp>
         </mc:Choice>
-        <mc:Fallback xmlns="">
+        <mc:Fallback>
           <p:sp>
             <p:nvSpPr>
               <p:cNvPr id="5" name="Marcador de contenido 2"/>
@@ -14296,8 +14722,8 @@
           </a:p>
         </p:txBody>
       </p:sp>
-      <mc:AlternateContent xmlns:mc="http://schemas.openxmlformats.org/markup-compatibility/2006">
-        <mc:Choice xmlns:a14="http://schemas.microsoft.com/office/drawing/2010/main" Requires="a14">
+      <mc:AlternateContent xmlns:mc="http://schemas.openxmlformats.org/markup-compatibility/2006" xmlns:a14="http://schemas.microsoft.com/office/drawing/2010/main">
+        <mc:Choice Requires="a14">
           <p:sp>
             <p:nvSpPr>
               <p:cNvPr id="5" name="Marcador de contenido 2"/>
@@ -14592,16 +15018,7 @@
                             </a:solidFill>
                             <a:latin typeface="Cambria Math" panose="02040503050406030204" pitchFamily="18" charset="0"/>
                           </a:rPr>
-                          <m:t>,</m:t>
-                        </m:r>
-                        <m:r>
-                          <a:rPr lang="es-ES" b="1" i="0" smtClean="0">
-                            <a:solidFill>
-                              <a:schemeClr val="bg1"/>
-                            </a:solidFill>
-                            <a:latin typeface="Cambria Math" panose="02040503050406030204" pitchFamily="18" charset="0"/>
-                          </a:rPr>
-                          <m:t> </m:t>
+                          <m:t>, </m:t>
                         </m:r>
                         <m:r>
                           <a:rPr lang="es-ES" b="1">
@@ -15324,7 +15741,7 @@
             </p:txBody>
           </p:sp>
         </mc:Choice>
-        <mc:Fallback>
+        <mc:Fallback xmlns="">
           <p:sp>
             <p:nvSpPr>
               <p:cNvPr id="5" name="Marcador de contenido 2"/>
